--- a/Plugin_Menu_Win10Style/learnJsByRmmv.pptx
+++ b/Plugin_Menu_Win10Style/learnJsByRmmv.pptx
@@ -104,6 +104,11 @@
       </a:defRPr>
     </a:lvl9pPr>
   </p:defaultTextStyle>
+  <p:extLst>
+    <p:ext uri="{EFAFB233-063F-42B5-8137-9DF3F51BA10A}">
+      <p15:sldGuideLst xmlns:p15="http://schemas.microsoft.com/office/powerpoint/2012/main"/>
+    </p:ext>
+  </p:extLst>
 </p:presentation>
 </file>
 
@@ -238,7 +243,7 @@
           <a:p>
             <a:fld id="{B966D3EB-9DF7-4A4E-BCEB-E792E7E797FA}" type="datetimeFigureOut">
               <a:rPr lang="zh-CN" altLang="en-US" smtClean="0"/>
-              <a:t>2019/8/16</a:t>
+              <a:t>2019/9/24</a:t>
             </a:fld>
             <a:endParaRPr lang="zh-CN" altLang="en-US"/>
           </a:p>
@@ -408,7 +413,7 @@
           <a:p>
             <a:fld id="{B966D3EB-9DF7-4A4E-BCEB-E792E7E797FA}" type="datetimeFigureOut">
               <a:rPr lang="zh-CN" altLang="en-US" smtClean="0"/>
-              <a:t>2019/8/16</a:t>
+              <a:t>2019/9/24</a:t>
             </a:fld>
             <a:endParaRPr lang="zh-CN" altLang="en-US"/>
           </a:p>
@@ -588,7 +593,7 @@
           <a:p>
             <a:fld id="{B966D3EB-9DF7-4A4E-BCEB-E792E7E797FA}" type="datetimeFigureOut">
               <a:rPr lang="zh-CN" altLang="en-US" smtClean="0"/>
-              <a:t>2019/8/16</a:t>
+              <a:t>2019/9/24</a:t>
             </a:fld>
             <a:endParaRPr lang="zh-CN" altLang="en-US"/>
           </a:p>
@@ -758,7 +763,7 @@
           <a:p>
             <a:fld id="{B966D3EB-9DF7-4A4E-BCEB-E792E7E797FA}" type="datetimeFigureOut">
               <a:rPr lang="zh-CN" altLang="en-US" smtClean="0"/>
-              <a:t>2019/8/16</a:t>
+              <a:t>2019/9/24</a:t>
             </a:fld>
             <a:endParaRPr lang="zh-CN" altLang="en-US"/>
           </a:p>
@@ -1002,7 +1007,7 @@
           <a:p>
             <a:fld id="{B966D3EB-9DF7-4A4E-BCEB-E792E7E797FA}" type="datetimeFigureOut">
               <a:rPr lang="zh-CN" altLang="en-US" smtClean="0"/>
-              <a:t>2019/8/16</a:t>
+              <a:t>2019/9/24</a:t>
             </a:fld>
             <a:endParaRPr lang="zh-CN" altLang="en-US"/>
           </a:p>
@@ -1234,7 +1239,7 @@
           <a:p>
             <a:fld id="{B966D3EB-9DF7-4A4E-BCEB-E792E7E797FA}" type="datetimeFigureOut">
               <a:rPr lang="zh-CN" altLang="en-US" smtClean="0"/>
-              <a:t>2019/8/16</a:t>
+              <a:t>2019/9/24</a:t>
             </a:fld>
             <a:endParaRPr lang="zh-CN" altLang="en-US"/>
           </a:p>
@@ -1601,7 +1606,7 @@
           <a:p>
             <a:fld id="{B966D3EB-9DF7-4A4E-BCEB-E792E7E797FA}" type="datetimeFigureOut">
               <a:rPr lang="zh-CN" altLang="en-US" smtClean="0"/>
-              <a:t>2019/8/16</a:t>
+              <a:t>2019/9/24</a:t>
             </a:fld>
             <a:endParaRPr lang="zh-CN" altLang="en-US"/>
           </a:p>
@@ -1719,7 +1724,7 @@
           <a:p>
             <a:fld id="{B966D3EB-9DF7-4A4E-BCEB-E792E7E797FA}" type="datetimeFigureOut">
               <a:rPr lang="zh-CN" altLang="en-US" smtClean="0"/>
-              <a:t>2019/8/16</a:t>
+              <a:t>2019/9/24</a:t>
             </a:fld>
             <a:endParaRPr lang="zh-CN" altLang="en-US"/>
           </a:p>
@@ -1814,7 +1819,7 @@
           <a:p>
             <a:fld id="{B966D3EB-9DF7-4A4E-BCEB-E792E7E797FA}" type="datetimeFigureOut">
               <a:rPr lang="zh-CN" altLang="en-US" smtClean="0"/>
-              <a:t>2019/8/16</a:t>
+              <a:t>2019/9/24</a:t>
             </a:fld>
             <a:endParaRPr lang="zh-CN" altLang="en-US"/>
           </a:p>
@@ -2091,7 +2096,7 @@
           <a:p>
             <a:fld id="{B966D3EB-9DF7-4A4E-BCEB-E792E7E797FA}" type="datetimeFigureOut">
               <a:rPr lang="zh-CN" altLang="en-US" smtClean="0"/>
-              <a:t>2019/8/16</a:t>
+              <a:t>2019/9/24</a:t>
             </a:fld>
             <a:endParaRPr lang="zh-CN" altLang="en-US"/>
           </a:p>
@@ -2348,7 +2353,7 @@
           <a:p>
             <a:fld id="{B966D3EB-9DF7-4A4E-BCEB-E792E7E797FA}" type="datetimeFigureOut">
               <a:rPr lang="zh-CN" altLang="en-US" smtClean="0"/>
-              <a:t>2019/8/16</a:t>
+              <a:t>2019/9/24</a:t>
             </a:fld>
             <a:endParaRPr lang="zh-CN" altLang="en-US"/>
           </a:p>
@@ -2561,7 +2566,7 @@
           <a:p>
             <a:fld id="{B966D3EB-9DF7-4A4E-BCEB-E792E7E797FA}" type="datetimeFigureOut">
               <a:rPr lang="zh-CN" altLang="en-US" smtClean="0"/>
-              <a:t>2019/8/16</a:t>
+              <a:t>2019/9/24</a:t>
             </a:fld>
             <a:endParaRPr lang="zh-CN" altLang="en-US"/>
           </a:p>
@@ -2981,13 +2986,13 @@
           <p:nvPr>
             <p:extLst>
               <p:ext uri="{D42A27DB-BD31-4B8C-83A1-F6EECF244321}">
-                <p14:modId xmlns:p14="http://schemas.microsoft.com/office/powerpoint/2010/main" val="3471810234"/>
+                <p14:modId xmlns:p14="http://schemas.microsoft.com/office/powerpoint/2010/main" val="4274063568"/>
               </p:ext>
             </p:extLst>
           </p:nvPr>
         </p:nvGraphicFramePr>
         <p:xfrm>
-          <a:off x="914538" y="2438447"/>
+          <a:off x="914538" y="1683704"/>
           <a:ext cx="1625462" cy="603278"/>
         </p:xfrm>
         <a:graphic>
@@ -3096,13 +3101,13 @@
           <p:nvPr>
             <p:extLst>
               <p:ext uri="{D42A27DB-BD31-4B8C-83A1-F6EECF244321}">
-                <p14:modId xmlns:p14="http://schemas.microsoft.com/office/powerpoint/2010/main" val="158305073"/>
+                <p14:modId xmlns:p14="http://schemas.microsoft.com/office/powerpoint/2010/main" val="1410668315"/>
               </p:ext>
             </p:extLst>
           </p:nvPr>
         </p:nvGraphicFramePr>
         <p:xfrm>
-          <a:off x="3538540" y="2438447"/>
+          <a:off x="3538540" y="1683704"/>
           <a:ext cx="2473324" cy="2428240"/>
         </p:xfrm>
         <a:graphic>
@@ -3516,7 +3521,7 @@
         </p:nvCxnSpPr>
         <p:spPr>
           <a:xfrm flipV="1">
-            <a:off x="2103120" y="2633910"/>
+            <a:off x="2103120" y="1879167"/>
             <a:ext cx="1325880" cy="327660"/>
           </a:xfrm>
           <a:prstGeom prst="bentConnector3">
@@ -3557,7 +3562,7 @@
         </p:nvCxnSpPr>
         <p:spPr>
           <a:xfrm rot="10800000">
-            <a:off x="2527300" y="2438448"/>
+            <a:off x="2527300" y="1683705"/>
             <a:ext cx="3286760" cy="442965"/>
           </a:xfrm>
           <a:prstGeom prst="bentConnector3">
@@ -3597,13 +3602,13 @@
           <p:nvPr>
             <p:extLst>
               <p:ext uri="{D42A27DB-BD31-4B8C-83A1-F6EECF244321}">
-                <p14:modId xmlns:p14="http://schemas.microsoft.com/office/powerpoint/2010/main" val="3289267045"/>
+                <p14:modId xmlns:p14="http://schemas.microsoft.com/office/powerpoint/2010/main" val="339982738"/>
               </p:ext>
             </p:extLst>
           </p:nvPr>
         </p:nvGraphicFramePr>
         <p:xfrm>
-          <a:off x="901838" y="4830696"/>
+          <a:off x="901838" y="4075953"/>
           <a:ext cx="1625462" cy="626138"/>
         </p:xfrm>
         <a:graphic>
@@ -3728,13 +3733,13 @@
           <p:nvPr>
             <p:extLst>
               <p:ext uri="{D42A27DB-BD31-4B8C-83A1-F6EECF244321}">
-                <p14:modId xmlns:p14="http://schemas.microsoft.com/office/powerpoint/2010/main" val="1759376982"/>
+                <p14:modId xmlns:p14="http://schemas.microsoft.com/office/powerpoint/2010/main" val="3252534486"/>
               </p:ext>
             </p:extLst>
           </p:nvPr>
         </p:nvGraphicFramePr>
         <p:xfrm>
-          <a:off x="3538540" y="5105399"/>
+          <a:off x="3538540" y="4350656"/>
           <a:ext cx="2473324" cy="1364469"/>
         </p:xfrm>
         <a:graphic>
@@ -3932,7 +3937,7 @@
         </p:nvCxnSpPr>
         <p:spPr>
           <a:xfrm rot="10800000">
-            <a:off x="2870200" y="4830696"/>
+            <a:off x="2870200" y="4075953"/>
             <a:ext cx="2844800" cy="871604"/>
           </a:xfrm>
           <a:prstGeom prst="bentConnector3">
@@ -3972,7 +3977,7 @@
         </p:nvCxnSpPr>
         <p:spPr>
           <a:xfrm rot="5400000" flipH="1" flipV="1">
-            <a:off x="1934977" y="3657507"/>
+            <a:off x="1934977" y="2902764"/>
             <a:ext cx="2121114" cy="225269"/>
           </a:xfrm>
           <a:prstGeom prst="bentConnector3">
@@ -4016,7 +4021,7 @@
         </p:nvCxnSpPr>
         <p:spPr>
           <a:xfrm rot="10800000">
-            <a:off x="1714570" y="4830696"/>
+            <a:off x="1714570" y="4075953"/>
             <a:ext cx="3848033" cy="1125604"/>
           </a:xfrm>
           <a:prstGeom prst="bentConnector4">
@@ -4062,13 +4067,13 @@
           <p:nvPr>
             <p:extLst>
               <p:ext uri="{D42A27DB-BD31-4B8C-83A1-F6EECF244321}">
-                <p14:modId xmlns:p14="http://schemas.microsoft.com/office/powerpoint/2010/main" val="61996544"/>
+                <p14:modId xmlns:p14="http://schemas.microsoft.com/office/powerpoint/2010/main" val="1443193143"/>
               </p:ext>
             </p:extLst>
           </p:nvPr>
         </p:nvGraphicFramePr>
         <p:xfrm>
-          <a:off x="901838" y="6852076"/>
+          <a:off x="771417" y="6474662"/>
           <a:ext cx="1625462" cy="626138"/>
         </p:xfrm>
         <a:graphic>
@@ -4192,7 +4197,7 @@
         </p:nvCxnSpPr>
         <p:spPr>
           <a:xfrm>
-            <a:off x="2197100" y="5295900"/>
+            <a:off x="2197100" y="4541157"/>
             <a:ext cx="1341440" cy="0"/>
           </a:xfrm>
           <a:prstGeom prst="straightConnector1">
@@ -4232,14 +4237,14 @@
           <p:nvPr>
             <p:extLst>
               <p:ext uri="{D42A27DB-BD31-4B8C-83A1-F6EECF244321}">
-                <p14:modId xmlns:p14="http://schemas.microsoft.com/office/powerpoint/2010/main" val="217971454"/>
+                <p14:modId xmlns:p14="http://schemas.microsoft.com/office/powerpoint/2010/main" val="258422908"/>
               </p:ext>
             </p:extLst>
           </p:nvPr>
         </p:nvGraphicFramePr>
         <p:xfrm>
-          <a:off x="3538540" y="6876135"/>
-          <a:ext cx="2473324" cy="1364469"/>
+          <a:off x="3561400" y="6484257"/>
+          <a:ext cx="2473324" cy="1285740"/>
         </p:xfrm>
         <a:graphic>
           <a:graphicData uri="http://schemas.openxmlformats.org/drawingml/2006/table">
@@ -4263,7 +4268,7 @@
                   </a:extLst>
                 </a:gridCol>
               </a:tblGrid>
-              <a:tr h="424212">
+              <a:tr h="345483">
                 <a:tc gridSpan="2">
                   <a:txBody>
                     <a:bodyPr/>
@@ -4388,6 +4393,10 @@
                     <a:p>
                       <a:pPr algn="ctr"/>
                       <a:r>
+                        <a:rPr lang="en-US" altLang="zh-CN" sz="1000" dirty="0" err="1"/>
+                        <a:t>Creat</a:t>
+                      </a:r>
+                      <a:r>
                         <a:rPr lang="zh-CN" altLang="en-US" sz="1000" dirty="0"/>
                         <a:t>方法</a:t>
                       </a:r>
@@ -4436,7 +4445,7 @@
         </p:nvCxnSpPr>
         <p:spPr>
           <a:xfrm rot="16200000" flipV="1">
-            <a:off x="3185021" y="5370163"/>
+            <a:off x="3185021" y="4615420"/>
             <a:ext cx="2388202" cy="2366966"/>
           </a:xfrm>
           <a:prstGeom prst="bentConnector3">
@@ -4474,25 +4483,62 @@
           </p:cNvPr>
           <p:cNvCxnSpPr>
             <a:cxnSpLocks/>
-            <a:endCxn id="52" idx="0"/>
           </p:cNvCxnSpPr>
           <p:nvPr/>
         </p:nvCxnSpPr>
         <p:spPr>
           <a:xfrm rot="10800000">
-            <a:off x="1714570" y="6852076"/>
-            <a:ext cx="3746435" cy="880140"/>
+            <a:off x="739140" y="6651375"/>
+            <a:ext cx="4671066" cy="595779"/>
           </a:xfrm>
-          <a:prstGeom prst="bentConnector4">
+          <a:prstGeom prst="bentConnector3">
             <a:avLst>
-              <a:gd name="adj1" fmla="val 39153"/>
-              <a:gd name="adj2" fmla="val 125973"/>
+              <a:gd name="adj1" fmla="val 105302"/>
             </a:avLst>
           </a:prstGeom>
           <a:ln>
             <a:solidFill>
               <a:srgbClr val="00B050"/>
             </a:solidFill>
+            <a:tailEnd type="triangle"/>
+          </a:ln>
+        </p:spPr>
+        <p:style>
+          <a:lnRef idx="1">
+            <a:schemeClr val="accent1"/>
+          </a:lnRef>
+          <a:fillRef idx="0">
+            <a:schemeClr val="accent1"/>
+          </a:fillRef>
+          <a:effectRef idx="0">
+            <a:schemeClr val="accent1"/>
+          </a:effectRef>
+          <a:fontRef idx="minor">
+            <a:schemeClr val="tx1"/>
+          </a:fontRef>
+        </p:style>
+      </p:cxnSp>
+      <p:cxnSp>
+        <p:nvCxnSpPr>
+          <p:cNvPr id="16" name="直接箭头连接符 15">
+            <a:extLst>
+              <a:ext uri="{FF2B5EF4-FFF2-40B4-BE49-F238E27FC236}">
+                <a16:creationId xmlns:a16="http://schemas.microsoft.com/office/drawing/2014/main" id="{F78263C2-B8F9-4584-A903-E1E86C23F712}"/>
+              </a:ext>
+            </a:extLst>
+          </p:cNvPr>
+          <p:cNvCxnSpPr/>
+          <p:nvPr/>
+        </p:nvCxnSpPr>
+        <p:spPr>
+          <a:xfrm>
+            <a:off x="2197100" y="6604907"/>
+            <a:ext cx="1341440" cy="0"/>
+          </a:xfrm>
+          <a:prstGeom prst="straightConnector1">
+            <a:avLst/>
+          </a:prstGeom>
+          <a:ln>
             <a:tailEnd type="triangle"/>
           </a:ln>
         </p:spPr>
